--- a/0060_serial/rtl/schematic/pll_ctrl.pptx
+++ b/0060_serial/rtl/schematic/pll_ctrl.pptx
@@ -15922,13 +15922,6 @@
               </a:rPr>
               <a:t>7</a:t>
             </a:r>
-            <a:endParaRPr lang="en-US" sz="900" dirty="0">
-              <a:solidFill>
-                <a:srgbClr val="000000"/>
-              </a:solidFill>
-              <a:latin typeface="Courier New" panose="02070309020205020404" pitchFamily="49" charset="0"/>
-              <a:cs typeface="Courier New" panose="02070309020205020404" pitchFamily="49" charset="0"/>
-            </a:endParaRPr>
           </a:p>
         </p:txBody>
       </p:sp>
@@ -16109,13 +16102,6 @@
               </a:rPr>
               <a:t>7</a:t>
             </a:r>
-            <a:endParaRPr lang="en-US" sz="900" dirty="0">
-              <a:solidFill>
-                <a:srgbClr val="000000"/>
-              </a:solidFill>
-              <a:latin typeface="Courier New" panose="02070309020205020404" pitchFamily="49" charset="0"/>
-              <a:cs typeface="Courier New" panose="02070309020205020404" pitchFamily="49" charset="0"/>
-            </a:endParaRPr>
           </a:p>
         </p:txBody>
       </p:sp>
@@ -17322,13 +17308,15 @@
       <p:cxnSp>
         <p:nvCxnSpPr>
           <p:cNvPr id="723" name="Straight Connector 722"/>
-          <p:cNvCxnSpPr/>
+          <p:cNvCxnSpPr>
+            <a:endCxn id="613" idx="1"/>
+          </p:cNvCxnSpPr>
           <p:nvPr/>
         </p:nvCxnSpPr>
         <p:spPr>
           <a:xfrm>
             <a:off x="15621000" y="12268198"/>
-            <a:ext cx="5486400" cy="0"/>
+            <a:ext cx="7391400" cy="2"/>
           </a:xfrm>
           <a:prstGeom prst="line">
             <a:avLst/>
@@ -17495,13 +17483,6 @@
               </a:rPr>
               <a:t>RSTXO</a:t>
             </a:r>
-            <a:endParaRPr lang="en-US" sz="900" dirty="0">
-              <a:solidFill>
-                <a:srgbClr val="000000"/>
-              </a:solidFill>
-              <a:latin typeface="Courier New" panose="02070309020205020404" pitchFamily="49" charset="0"/>
-              <a:cs typeface="Courier New" panose="02070309020205020404" pitchFamily="49" charset="0"/>
-            </a:endParaRPr>
           </a:p>
         </p:txBody>
       </p:sp>
@@ -17965,7 +17946,7 @@
         <p:spPr>
           <a:xfrm>
             <a:off x="18821400" y="11277598"/>
-            <a:ext cx="762000" cy="304802"/>
+            <a:ext cx="762000" cy="152402"/>
           </a:xfrm>
           <a:prstGeom prst="rect">
             <a:avLst/>
@@ -17996,14 +17977,14 @@
           <a:lstStyle/>
           <a:p>
             <a:r>
-              <a:rPr lang="en-US" sz="900" dirty="0">
+              <a:rPr lang="en-US" sz="900" dirty="0" smtClean="0">
                 <a:solidFill>
                   <a:srgbClr val="000000"/>
                 </a:solidFill>
                 <a:latin typeface="Courier New" panose="02070309020205020404" pitchFamily="49" charset="0"/>
                 <a:cs typeface="Courier New" panose="02070309020205020404" pitchFamily="49" charset="0"/>
               </a:rPr>
-              <a:t>rstx_clkp_p1</a:t>
+              <a:t>rstxp_p1</a:t>
             </a:r>
             <a:endParaRPr lang="en-US" sz="900" dirty="0">
               <a:solidFill>
@@ -18145,14 +18126,14 @@
           <a:lstStyle/>
           <a:p>
             <a:r>
-              <a:rPr lang="en-US" sz="900" dirty="0">
+              <a:rPr lang="en-US" sz="900" dirty="0" smtClean="0">
                 <a:solidFill>
                   <a:srgbClr val="000000"/>
                 </a:solidFill>
                 <a:latin typeface="Courier New" panose="02070309020205020404" pitchFamily="49" charset="0"/>
                 <a:cs typeface="Courier New" panose="02070309020205020404" pitchFamily="49" charset="0"/>
               </a:rPr>
-              <a:t>RSTX_CLKP</a:t>
+              <a:t>RSTXP</a:t>
             </a:r>
             <a:endParaRPr lang="en-US" sz="900" dirty="0">
               <a:solidFill>
@@ -20609,43 +20590,6 @@
             </a:solidFill>
             <a:headEnd type="none" w="med" len="med"/>
             <a:tailEnd type="none" w="med" len="med"/>
-          </a:ln>
-        </p:spPr>
-        <p:style>
-          <a:lnRef idx="1">
-            <a:schemeClr val="accent1"/>
-          </a:lnRef>
-          <a:fillRef idx="0">
-            <a:schemeClr val="accent1"/>
-          </a:fillRef>
-          <a:effectRef idx="0">
-            <a:schemeClr val="accent1"/>
-          </a:effectRef>
-          <a:fontRef idx="minor">
-            <a:schemeClr val="tx1"/>
-          </a:fontRef>
-        </p:style>
-      </p:cxnSp>
-      <p:cxnSp>
-        <p:nvCxnSpPr>
-          <p:cNvPr id="822" name="Straight Connector 821"/>
-          <p:cNvCxnSpPr/>
-          <p:nvPr/>
-        </p:nvCxnSpPr>
-        <p:spPr>
-          <a:xfrm flipV="1">
-            <a:off x="21107400" y="9525000"/>
-            <a:ext cx="0" cy="2743200"/>
-          </a:xfrm>
-          <a:prstGeom prst="line">
-            <a:avLst/>
-          </a:prstGeom>
-          <a:ln w="12700">
-            <a:solidFill>
-              <a:srgbClr val="000000"/>
-            </a:solidFill>
-            <a:headEnd type="none" w="med" len="med"/>
-            <a:tailEnd type="triangle" w="med" len="med"/>
           </a:ln>
         </p:spPr>
         <p:style>
@@ -21748,13 +21692,6 @@
               </a:rPr>
               <a:t>RSTXO</a:t>
             </a:r>
-            <a:endParaRPr lang="en-US" sz="900" dirty="0">
-              <a:solidFill>
-                <a:srgbClr val="000000"/>
-              </a:solidFill>
-              <a:latin typeface="Courier New" panose="02070309020205020404" pitchFamily="49" charset="0"/>
-              <a:cs typeface="Courier New" panose="02070309020205020404" pitchFamily="49" charset="0"/>
-            </a:endParaRPr>
           </a:p>
         </p:txBody>
       </p:sp>
@@ -22402,14 +22339,14 @@
           <a:lstStyle/>
           <a:p>
             <a:r>
-              <a:rPr lang="en-US" sz="900" dirty="0" err="1">
+              <a:rPr lang="en-US" sz="900" dirty="0" smtClean="0">
                 <a:solidFill>
                   <a:srgbClr val="000000"/>
                 </a:solidFill>
                 <a:latin typeface="Courier New" panose="02070309020205020404" pitchFamily="49" charset="0"/>
                 <a:cs typeface="Courier New" panose="02070309020205020404" pitchFamily="49" charset="0"/>
               </a:rPr>
-              <a:t>clkp</a:t>
+              <a:t>CLKP</a:t>
             </a:r>
             <a:endParaRPr lang="en-US" sz="900" dirty="0">
               <a:solidFill>
@@ -25844,13 +25781,6 @@
               </a:rPr>
               <a:t>div8</a:t>
             </a:r>
-            <a:endParaRPr lang="en-US" sz="900" dirty="0">
-              <a:solidFill>
-                <a:srgbClr val="000000"/>
-              </a:solidFill>
-              <a:latin typeface="Courier New" panose="02070309020205020404" pitchFamily="49" charset="0"/>
-              <a:cs typeface="Courier New" panose="02070309020205020404" pitchFamily="49" charset="0"/>
-            </a:endParaRPr>
           </a:p>
         </p:txBody>
       </p:sp>
@@ -25903,13 +25833,6 @@
               </a:rPr>
               <a:t>div8_d1</a:t>
             </a:r>
-            <a:endParaRPr lang="en-US" sz="900" dirty="0">
-              <a:solidFill>
-                <a:srgbClr val="000000"/>
-              </a:solidFill>
-              <a:latin typeface="Courier New" panose="02070309020205020404" pitchFamily="49" charset="0"/>
-              <a:cs typeface="Courier New" panose="02070309020205020404" pitchFamily="49" charset="0"/>
-            </a:endParaRPr>
           </a:p>
         </p:txBody>
       </p:sp>
@@ -27081,13 +27004,6 @@
               </a:rPr>
               <a:t>div16</a:t>
             </a:r>
-            <a:endParaRPr lang="en-US" sz="900" dirty="0">
-              <a:solidFill>
-                <a:srgbClr val="000000"/>
-              </a:solidFill>
-              <a:latin typeface="Courier New" panose="02070309020205020404" pitchFamily="49" charset="0"/>
-              <a:cs typeface="Courier New" panose="02070309020205020404" pitchFamily="49" charset="0"/>
-            </a:endParaRPr>
           </a:p>
         </p:txBody>
       </p:sp>
@@ -27140,13 +27056,6 @@
               </a:rPr>
               <a:t>div16_d1</a:t>
             </a:r>
-            <a:endParaRPr lang="en-US" sz="900" dirty="0">
-              <a:solidFill>
-                <a:srgbClr val="000000"/>
-              </a:solidFill>
-              <a:latin typeface="Courier New" panose="02070309020205020404" pitchFamily="49" charset="0"/>
-              <a:cs typeface="Courier New" panose="02070309020205020404" pitchFamily="49" charset="0"/>
-            </a:endParaRPr>
           </a:p>
         </p:txBody>
       </p:sp>
@@ -28514,7 +28423,7 @@
         </p:nvSpPr>
         <p:spPr>
           <a:xfrm>
-            <a:off x="20878800" y="8762992"/>
+            <a:off x="21183600" y="8762992"/>
             <a:ext cx="457200" cy="152400"/>
           </a:xfrm>
           <a:prstGeom prst="rect">
@@ -28546,15 +28455,22 @@
           <a:lstStyle/>
           <a:p>
             <a:r>
-              <a:rPr lang="en-US" sz="900" dirty="0">
+              <a:rPr lang="en-US" sz="900" dirty="0" smtClean="0">
                 <a:solidFill>
                   <a:srgbClr val="000000"/>
                 </a:solidFill>
                 <a:latin typeface="Courier New" panose="02070309020205020404" pitchFamily="49" charset="0"/>
                 <a:cs typeface="Courier New" panose="02070309020205020404" pitchFamily="49" charset="0"/>
               </a:rPr>
-              <a:t>DIV32</a:t>
+              <a:t>CLKD</a:t>
             </a:r>
+            <a:endParaRPr lang="en-US" sz="900" dirty="0">
+              <a:solidFill>
+                <a:srgbClr val="000000"/>
+              </a:solidFill>
+              <a:latin typeface="Courier New" panose="02070309020205020404" pitchFamily="49" charset="0"/>
+              <a:cs typeface="Courier New" panose="02070309020205020404" pitchFamily="49" charset="0"/>
+            </a:endParaRPr>
           </a:p>
         </p:txBody>
       </p:sp>
@@ -29100,14 +29016,14 @@
           <a:lstStyle/>
           <a:p>
             <a:r>
-              <a:rPr lang="en-US" sz="900" dirty="0">
+              <a:rPr lang="en-US" sz="900" dirty="0" smtClean="0">
                 <a:solidFill>
                   <a:srgbClr val="000000"/>
                 </a:solidFill>
                 <a:latin typeface="Courier New" panose="02070309020205020404" pitchFamily="49" charset="0"/>
                 <a:cs typeface="Courier New" panose="02070309020205020404" pitchFamily="49" charset="0"/>
               </a:rPr>
-              <a:t>RSTX_CLKP_DIV</a:t>
+              <a:t>RSTXD</a:t>
             </a:r>
             <a:endParaRPr lang="en-US" sz="900" dirty="0">
               <a:solidFill>
@@ -29678,13 +29594,6 @@
               </a:rPr>
               <a:t>RSTXO</a:t>
             </a:r>
-            <a:endParaRPr lang="en-US" sz="900" dirty="0">
-              <a:solidFill>
-                <a:srgbClr val="000000"/>
-              </a:solidFill>
-              <a:latin typeface="Courier New" panose="02070309020205020404" pitchFamily="49" charset="0"/>
-              <a:cs typeface="Courier New" panose="02070309020205020404" pitchFamily="49" charset="0"/>
-            </a:endParaRPr>
           </a:p>
         </p:txBody>
       </p:sp>
@@ -29737,13 +29646,6 @@
               </a:rPr>
               <a:t>RSTXO</a:t>
             </a:r>
-            <a:endParaRPr lang="en-US" sz="900" dirty="0">
-              <a:solidFill>
-                <a:srgbClr val="000000"/>
-              </a:solidFill>
-              <a:latin typeface="Courier New" panose="02070309020205020404" pitchFamily="49" charset="0"/>
-              <a:cs typeface="Courier New" panose="02070309020205020404" pitchFamily="49" charset="0"/>
-            </a:endParaRPr>
           </a:p>
         </p:txBody>
       </p:sp>
@@ -29756,7 +29658,7 @@
         <p:spPr>
           <a:xfrm>
             <a:off x="18821400" y="13335000"/>
-            <a:ext cx="762000" cy="304802"/>
+            <a:ext cx="762000" cy="76200"/>
           </a:xfrm>
           <a:prstGeom prst="rect">
             <a:avLst/>
@@ -29787,14 +29689,14 @@
           <a:lstStyle/>
           <a:p>
             <a:r>
-              <a:rPr lang="en-US" sz="900" dirty="0">
+              <a:rPr lang="en-US" sz="900" dirty="0" smtClean="0">
                 <a:solidFill>
                   <a:srgbClr val="000000"/>
                 </a:solidFill>
                 <a:latin typeface="Courier New" panose="02070309020205020404" pitchFamily="49" charset="0"/>
                 <a:cs typeface="Courier New" panose="02070309020205020404" pitchFamily="49" charset="0"/>
               </a:rPr>
-              <a:t>rstx_clkp_div_p1</a:t>
+              <a:t>rstxd_p1</a:t>
             </a:r>
             <a:endParaRPr lang="en-US" sz="900" dirty="0">
               <a:solidFill>
@@ -30174,6 +30076,191 @@
           <a:lstStyle/>
           <a:p>
             <a:r>
+              <a:rPr lang="en-US" sz="900" dirty="0" smtClean="0">
+                <a:solidFill>
+                  <a:srgbClr val="000000"/>
+                </a:solidFill>
+                <a:latin typeface="Courier New" panose="02070309020205020404" pitchFamily="49" charset="0"/>
+                <a:cs typeface="Courier New" panose="02070309020205020404" pitchFamily="49" charset="0"/>
+              </a:rPr>
+              <a:t>CLKD</a:t>
+            </a:r>
+            <a:endParaRPr lang="en-US" sz="900" dirty="0">
+              <a:solidFill>
+                <a:srgbClr val="000000"/>
+              </a:solidFill>
+              <a:latin typeface="Courier New" panose="02070309020205020404" pitchFamily="49" charset="0"/>
+              <a:cs typeface="Courier New" panose="02070309020205020404" pitchFamily="49" charset="0"/>
+            </a:endParaRPr>
+          </a:p>
+        </p:txBody>
+      </p:sp>
+      <p:cxnSp>
+        <p:nvCxnSpPr>
+          <p:cNvPr id="607" name="Straight Connector 606"/>
+          <p:cNvCxnSpPr/>
+          <p:nvPr/>
+        </p:nvCxnSpPr>
+        <p:spPr>
+          <a:xfrm flipV="1">
+            <a:off x="21107400" y="9525000"/>
+            <a:ext cx="0" cy="2743200"/>
+          </a:xfrm>
+          <a:prstGeom prst="line">
+            <a:avLst/>
+          </a:prstGeom>
+          <a:ln w="12700">
+            <a:solidFill>
+              <a:srgbClr val="000000"/>
+            </a:solidFill>
+            <a:headEnd type="oval" w="med" len="med"/>
+            <a:tailEnd type="triangle" w="med" len="med"/>
+          </a:ln>
+        </p:spPr>
+        <p:style>
+          <a:lnRef idx="1">
+            <a:schemeClr val="accent1"/>
+          </a:lnRef>
+          <a:fillRef idx="0">
+            <a:schemeClr val="accent1"/>
+          </a:fillRef>
+          <a:effectRef idx="0">
+            <a:schemeClr val="accent1"/>
+          </a:effectRef>
+          <a:fontRef idx="minor">
+            <a:schemeClr val="tx1"/>
+          </a:fontRef>
+        </p:style>
+      </p:cxnSp>
+      <p:sp>
+        <p:nvSpPr>
+          <p:cNvPr id="613" name="Pentagon 612"/>
+          <p:cNvSpPr/>
+          <p:nvPr/>
+        </p:nvSpPr>
+        <p:spPr>
+          <a:xfrm>
+            <a:off x="23012400" y="12192000"/>
+            <a:ext cx="228600" cy="152400"/>
+          </a:xfrm>
+          <a:prstGeom prst="homePlate">
+            <a:avLst/>
+          </a:prstGeom>
+          <a:noFill/>
+          <a:ln w="12700">
+            <a:solidFill>
+              <a:schemeClr val="tx1"/>
+            </a:solidFill>
+          </a:ln>
+        </p:spPr>
+        <p:style>
+          <a:lnRef idx="2">
+            <a:schemeClr val="accent1">
+              <a:shade val="50000"/>
+            </a:schemeClr>
+          </a:lnRef>
+          <a:fillRef idx="1">
+            <a:schemeClr val="accent1"/>
+          </a:fillRef>
+          <a:effectRef idx="0">
+            <a:schemeClr val="accent1"/>
+          </a:effectRef>
+          <a:fontRef idx="minor">
+            <a:schemeClr val="lt1"/>
+          </a:fontRef>
+        </p:style>
+        <p:txBody>
+          <a:bodyPr rot="0" spcFirstLastPara="0" vertOverflow="overflow" horzOverflow="overflow" vert="horz" wrap="square" lIns="91440" tIns="45720" rIns="91440" bIns="45720" numCol="1" spcCol="0" rtlCol="0" fromWordArt="0" anchor="ctr" anchorCtr="0" forceAA="0" compatLnSpc="1">
+            <a:prstTxWarp prst="textNoShape">
+              <a:avLst/>
+            </a:prstTxWarp>
+            <a:noAutofit/>
+          </a:bodyPr>
+          <a:lstStyle/>
+          <a:p>
+            <a:pPr algn="ctr"/>
+            <a:endParaRPr lang="en-US" sz="3730"/>
+          </a:p>
+        </p:txBody>
+      </p:sp>
+      <p:cxnSp>
+        <p:nvCxnSpPr>
+          <p:cNvPr id="616" name="Straight Connector 615"/>
+          <p:cNvCxnSpPr/>
+          <p:nvPr/>
+        </p:nvCxnSpPr>
+        <p:spPr>
+          <a:xfrm flipV="1">
+            <a:off x="22783800" y="12192000"/>
+            <a:ext cx="152400" cy="152400"/>
+          </a:xfrm>
+          <a:prstGeom prst="line">
+            <a:avLst/>
+          </a:prstGeom>
+          <a:ln w="12700">
+            <a:solidFill>
+              <a:srgbClr val="000000"/>
+            </a:solidFill>
+            <a:headEnd type="none" w="med" len="med"/>
+            <a:tailEnd type="none" w="med" len="med"/>
+          </a:ln>
+        </p:spPr>
+        <p:style>
+          <a:lnRef idx="1">
+            <a:schemeClr val="accent1"/>
+          </a:lnRef>
+          <a:fillRef idx="0">
+            <a:schemeClr val="accent1"/>
+          </a:fillRef>
+          <a:effectRef idx="0">
+            <a:schemeClr val="accent1"/>
+          </a:effectRef>
+          <a:fontRef idx="minor">
+            <a:schemeClr val="tx1"/>
+          </a:fontRef>
+        </p:style>
+      </p:cxnSp>
+      <p:sp>
+        <p:nvSpPr>
+          <p:cNvPr id="617" name="Rectangle 616"/>
+          <p:cNvSpPr/>
+          <p:nvPr/>
+        </p:nvSpPr>
+        <p:spPr>
+          <a:xfrm>
+            <a:off x="22783800" y="12115800"/>
+            <a:ext cx="152400" cy="76200"/>
+          </a:xfrm>
+          <a:prstGeom prst="rect">
+            <a:avLst/>
+          </a:prstGeom>
+          <a:noFill/>
+          <a:ln>
+            <a:noFill/>
+          </a:ln>
+        </p:spPr>
+        <p:style>
+          <a:lnRef idx="2">
+            <a:schemeClr val="accent1">
+              <a:shade val="50000"/>
+            </a:schemeClr>
+          </a:lnRef>
+          <a:fillRef idx="1">
+            <a:schemeClr val="accent1"/>
+          </a:fillRef>
+          <a:effectRef idx="0">
+            <a:schemeClr val="accent1"/>
+          </a:effectRef>
+          <a:fontRef idx="minor">
+            <a:schemeClr val="lt1"/>
+          </a:fontRef>
+        </p:style>
+        <p:txBody>
+          <a:bodyPr wrap="none" lIns="45720" rIns="45720" rtlCol="0" anchor="ctr"/>
+          <a:lstStyle/>
+          <a:p>
+            <a:pPr algn="ctr"/>
+            <a:r>
               <a:rPr lang="en-US" sz="900" dirty="0">
                 <a:solidFill>
                   <a:srgbClr val="000000"/>
@@ -30181,8 +30268,67 @@
                 <a:latin typeface="Courier New" panose="02070309020205020404" pitchFamily="49" charset="0"/>
                 <a:cs typeface="Courier New" panose="02070309020205020404" pitchFamily="49" charset="0"/>
               </a:rPr>
-              <a:t>DIV32</a:t>
+              <a:t>1</a:t>
             </a:r>
+          </a:p>
+        </p:txBody>
+      </p:sp>
+      <p:sp>
+        <p:nvSpPr>
+          <p:cNvPr id="618" name="Rectangle 617"/>
+          <p:cNvSpPr/>
+          <p:nvPr/>
+        </p:nvSpPr>
+        <p:spPr>
+          <a:xfrm>
+            <a:off x="21183600" y="12115800"/>
+            <a:ext cx="457200" cy="152400"/>
+          </a:xfrm>
+          <a:prstGeom prst="rect">
+            <a:avLst/>
+          </a:prstGeom>
+          <a:noFill/>
+          <a:ln>
+            <a:noFill/>
+          </a:ln>
+        </p:spPr>
+        <p:style>
+          <a:lnRef idx="2">
+            <a:schemeClr val="accent1">
+              <a:shade val="50000"/>
+            </a:schemeClr>
+          </a:lnRef>
+          <a:fillRef idx="1">
+            <a:schemeClr val="accent1"/>
+          </a:fillRef>
+          <a:effectRef idx="0">
+            <a:schemeClr val="accent1"/>
+          </a:effectRef>
+          <a:fontRef idx="minor">
+            <a:schemeClr val="lt1"/>
+          </a:fontRef>
+        </p:style>
+        <p:txBody>
+          <a:bodyPr wrap="none" lIns="45720" rIns="45720" rtlCol="0" anchor="ctr"/>
+          <a:lstStyle/>
+          <a:p>
+            <a:r>
+              <a:rPr lang="en-US" sz="900" dirty="0" smtClean="0">
+                <a:solidFill>
+                  <a:srgbClr val="000000"/>
+                </a:solidFill>
+                <a:latin typeface="Courier New" panose="02070309020205020404" pitchFamily="49" charset="0"/>
+                <a:cs typeface="Courier New" panose="02070309020205020404" pitchFamily="49" charset="0"/>
+              </a:rPr>
+              <a:t>CLKP</a:t>
+            </a:r>
+            <a:endParaRPr lang="en-US" sz="900" dirty="0">
+              <a:solidFill>
+                <a:srgbClr val="000000"/>
+              </a:solidFill>
+              <a:latin typeface="Courier New" panose="02070309020205020404" pitchFamily="49" charset="0"/>
+              <a:cs typeface="Courier New" panose="02070309020205020404" pitchFamily="49" charset="0"/>
+            </a:endParaRPr>
           </a:p>
         </p:txBody>
       </p:sp>

--- a/0060_serial/rtl/schematic/pll_ctrl.pptx
+++ b/0060_serial/rtl/schematic/pll_ctrl.pptx
@@ -18133,7 +18133,7 @@
                 <a:latin typeface="Courier New" panose="02070309020205020404" pitchFamily="49" charset="0"/>
                 <a:cs typeface="Courier New" panose="02070309020205020404" pitchFamily="49" charset="0"/>
               </a:rPr>
-              <a:t>RSTXP</a:t>
+              <a:t>RSTXS</a:t>
             </a:r>
             <a:endParaRPr lang="en-US" sz="900" dirty="0">
               <a:solidFill>
@@ -22346,7 +22346,7 @@
                 <a:latin typeface="Courier New" panose="02070309020205020404" pitchFamily="49" charset="0"/>
                 <a:cs typeface="Courier New" panose="02070309020205020404" pitchFamily="49" charset="0"/>
               </a:rPr>
-              <a:t>CLKP</a:t>
+              <a:t>CLKS</a:t>
             </a:r>
             <a:endParaRPr lang="en-US" sz="900" dirty="0">
               <a:solidFill>
@@ -28455,14 +28455,14 @@
           <a:lstStyle/>
           <a:p>
             <a:r>
-              <a:rPr lang="en-US" sz="900" dirty="0" smtClean="0">
+              <a:rPr lang="en-US" sz="900" smtClean="0">
                 <a:solidFill>
                   <a:srgbClr val="000000"/>
                 </a:solidFill>
                 <a:latin typeface="Courier New" panose="02070309020205020404" pitchFamily="49" charset="0"/>
                 <a:cs typeface="Courier New" panose="02070309020205020404" pitchFamily="49" charset="0"/>
               </a:rPr>
-              <a:t>CLKD</a:t>
+              <a:t>CLKF</a:t>
             </a:r>
             <a:endParaRPr lang="en-US" sz="900" dirty="0">
               <a:solidFill>
@@ -29023,7 +29023,7 @@
                 <a:latin typeface="Courier New" panose="02070309020205020404" pitchFamily="49" charset="0"/>
                 <a:cs typeface="Courier New" panose="02070309020205020404" pitchFamily="49" charset="0"/>
               </a:rPr>
-              <a:t>RSTXD</a:t>
+              <a:t>RSTXF</a:t>
             </a:r>
             <a:endParaRPr lang="en-US" sz="900" dirty="0">
               <a:solidFill>
@@ -30083,7 +30083,7 @@
                 <a:latin typeface="Courier New" panose="02070309020205020404" pitchFamily="49" charset="0"/>
                 <a:cs typeface="Courier New" panose="02070309020205020404" pitchFamily="49" charset="0"/>
               </a:rPr>
-              <a:t>CLKD</a:t>
+              <a:t>CLKF</a:t>
             </a:r>
             <a:endParaRPr lang="en-US" sz="900" dirty="0">
               <a:solidFill>
@@ -30320,7 +30320,7 @@
                 <a:latin typeface="Courier New" panose="02070309020205020404" pitchFamily="49" charset="0"/>
                 <a:cs typeface="Courier New" panose="02070309020205020404" pitchFamily="49" charset="0"/>
               </a:rPr>
-              <a:t>CLKP</a:t>
+              <a:t>CLKS</a:t>
             </a:r>
             <a:endParaRPr lang="en-US" sz="900" dirty="0">
               <a:solidFill>

--- a/0060_serial/rtl/schematic/pll_ctrl.pptx
+++ b/0060_serial/rtl/schematic/pll_ctrl.pptx
@@ -197,7 +197,7 @@
           <a:p>
             <a:fld id="{B9E5BF02-4A65-43B2-AA51-912306618617}" type="datetimeFigureOut">
               <a:rPr lang="en-US" smtClean="0"/>
-              <a:t>9/25/2017</a:t>
+              <a:t>9/26/2017</a:t>
             </a:fld>
             <a:endParaRPr lang="en-US"/>
           </a:p>
@@ -685,7 +685,7 @@
           <a:p>
             <a:fld id="{F8F920B2-3E99-4C9D-9450-62A3DEC5476B}" type="datetimeFigureOut">
               <a:rPr lang="en-US" smtClean="0"/>
-              <a:t>9/25/2017</a:t>
+              <a:t>9/26/2017</a:t>
             </a:fld>
             <a:endParaRPr lang="en-US"/>
           </a:p>
@@ -855,7 +855,7 @@
           <a:p>
             <a:fld id="{F8F920B2-3E99-4C9D-9450-62A3DEC5476B}" type="datetimeFigureOut">
               <a:rPr lang="en-US" smtClean="0"/>
-              <a:t>9/25/2017</a:t>
+              <a:t>9/26/2017</a:t>
             </a:fld>
             <a:endParaRPr lang="en-US"/>
           </a:p>
@@ -1035,7 +1035,7 @@
           <a:p>
             <a:fld id="{F8F920B2-3E99-4C9D-9450-62A3DEC5476B}" type="datetimeFigureOut">
               <a:rPr lang="en-US" smtClean="0"/>
-              <a:t>9/25/2017</a:t>
+              <a:t>9/26/2017</a:t>
             </a:fld>
             <a:endParaRPr lang="en-US"/>
           </a:p>
@@ -1205,7 +1205,7 @@
           <a:p>
             <a:fld id="{F8F920B2-3E99-4C9D-9450-62A3DEC5476B}" type="datetimeFigureOut">
               <a:rPr lang="en-US" smtClean="0"/>
-              <a:t>9/25/2017</a:t>
+              <a:t>9/26/2017</a:t>
             </a:fld>
             <a:endParaRPr lang="en-US"/>
           </a:p>
@@ -1449,7 +1449,7 @@
           <a:p>
             <a:fld id="{F8F920B2-3E99-4C9D-9450-62A3DEC5476B}" type="datetimeFigureOut">
               <a:rPr lang="en-US" smtClean="0"/>
-              <a:t>9/25/2017</a:t>
+              <a:t>9/26/2017</a:t>
             </a:fld>
             <a:endParaRPr lang="en-US"/>
           </a:p>
@@ -1681,7 +1681,7 @@
           <a:p>
             <a:fld id="{F8F920B2-3E99-4C9D-9450-62A3DEC5476B}" type="datetimeFigureOut">
               <a:rPr lang="en-US" smtClean="0"/>
-              <a:t>9/25/2017</a:t>
+              <a:t>9/26/2017</a:t>
             </a:fld>
             <a:endParaRPr lang="en-US"/>
           </a:p>
@@ -2048,7 +2048,7 @@
           <a:p>
             <a:fld id="{F8F920B2-3E99-4C9D-9450-62A3DEC5476B}" type="datetimeFigureOut">
               <a:rPr lang="en-US" smtClean="0"/>
-              <a:t>9/25/2017</a:t>
+              <a:t>9/26/2017</a:t>
             </a:fld>
             <a:endParaRPr lang="en-US"/>
           </a:p>
@@ -2166,7 +2166,7 @@
           <a:p>
             <a:fld id="{F8F920B2-3E99-4C9D-9450-62A3DEC5476B}" type="datetimeFigureOut">
               <a:rPr lang="en-US" smtClean="0"/>
-              <a:t>9/25/2017</a:t>
+              <a:t>9/26/2017</a:t>
             </a:fld>
             <a:endParaRPr lang="en-US"/>
           </a:p>
@@ -2261,7 +2261,7 @@
           <a:p>
             <a:fld id="{F8F920B2-3E99-4C9D-9450-62A3DEC5476B}" type="datetimeFigureOut">
               <a:rPr lang="en-US" smtClean="0"/>
-              <a:t>9/25/2017</a:t>
+              <a:t>9/26/2017</a:t>
             </a:fld>
             <a:endParaRPr lang="en-US"/>
           </a:p>
@@ -2538,7 +2538,7 @@
           <a:p>
             <a:fld id="{F8F920B2-3E99-4C9D-9450-62A3DEC5476B}" type="datetimeFigureOut">
               <a:rPr lang="en-US" smtClean="0"/>
-              <a:t>9/25/2017</a:t>
+              <a:t>9/26/2017</a:t>
             </a:fld>
             <a:endParaRPr lang="en-US"/>
           </a:p>
@@ -2795,7 +2795,7 @@
           <a:p>
             <a:fld id="{F8F920B2-3E99-4C9D-9450-62A3DEC5476B}" type="datetimeFigureOut">
               <a:rPr lang="en-US" smtClean="0"/>
-              <a:t>9/25/2017</a:t>
+              <a:t>9/26/2017</a:t>
             </a:fld>
             <a:endParaRPr lang="en-US"/>
           </a:p>
@@ -3008,7 +3008,7 @@
           <a:p>
             <a:fld id="{F8F920B2-3E99-4C9D-9450-62A3DEC5476B}" type="datetimeFigureOut">
               <a:rPr lang="en-US" smtClean="0"/>
-              <a:t>9/25/2017</a:t>
+              <a:t>9/26/2017</a:t>
             </a:fld>
             <a:endParaRPr lang="en-US"/>
           </a:p>
@@ -17984,7 +17984,7 @@
                 <a:latin typeface="Courier New" panose="02070309020205020404" pitchFamily="49" charset="0"/>
                 <a:cs typeface="Courier New" panose="02070309020205020404" pitchFamily="49" charset="0"/>
               </a:rPr>
-              <a:t>rstxp_p1</a:t>
+              <a:t>rstxs_p1</a:t>
             </a:r>
             <a:endParaRPr lang="en-US" sz="900" dirty="0">
               <a:solidFill>
@@ -29658,7 +29658,7 @@
         <p:spPr>
           <a:xfrm>
             <a:off x="18821400" y="13335000"/>
-            <a:ext cx="762000" cy="76200"/>
+            <a:ext cx="762000" cy="152400"/>
           </a:xfrm>
           <a:prstGeom prst="rect">
             <a:avLst/>
@@ -29689,14 +29689,14 @@
           <a:lstStyle/>
           <a:p>
             <a:r>
-              <a:rPr lang="en-US" sz="900" dirty="0" smtClean="0">
+              <a:rPr lang="en-US" sz="900" smtClean="0">
                 <a:solidFill>
                   <a:srgbClr val="000000"/>
                 </a:solidFill>
                 <a:latin typeface="Courier New" panose="02070309020205020404" pitchFamily="49" charset="0"/>
                 <a:cs typeface="Courier New" panose="02070309020205020404" pitchFamily="49" charset="0"/>
               </a:rPr>
-              <a:t>rstxd_p1</a:t>
+              <a:t>rstxf_p1</a:t>
             </a:r>
             <a:endParaRPr lang="en-US" sz="900" dirty="0">
               <a:solidFill>
